--- a/sd/qa/unit/data/pptx/smartart-accent-process.pptx
+++ b/sd/qa/unit/data/pptx/smartart-accent-process.pptx
@@ -949,6 +949,10 @@
         <a:bodyPr/>
         <a:lstStyle/>
         <a:p>
+          <a:r>
+            <a:rPr lang="en-US" dirty="0" smtClean="0"/>
+            <a:t>c</a:t>
+          </a:r>
           <a:r>
             <a:rPr lang="en-US" dirty="0" smtClean="0"/>
             <a:t>c</a:t>
